--- a/uploads/wdd2/wdd21/estimating_and_costing.pptx
+++ b/uploads/wdd2/wdd21/estimating_and_costing.pptx
@@ -4256,37 +4256,6 @@
       </p:grpSpPr>
       <p:sp>
         <p:nvSpPr>
-          <p:cNvPr id="4" name="Footer Placeholder 4"/>
-          <p:cNvSpPr>
-            <a:spLocks noGrp="1"/>
-          </p:cNvSpPr>
-          <p:nvPr>
-            <p:ph type="ftr" sz="quarter" idx="11"/>
-          </p:nvPr>
-        </p:nvSpPr>
-        <p:spPr/>
-        <p:txBody>
-          <a:bodyPr/>
-          <a:lstStyle/>
-          <a:p>
-            <a:r>
-              <a:rPr lang="en-GB" dirty="0" err="1"/>
-              <a:t>Birkbeck</a:t>
-            </a:r>
-            <a:r>
-              <a:rPr lang="en-GB" dirty="0"/>
-              <a:t> College </a:t>
-            </a:r>
-            <a:r>
-              <a:rPr lang="en-GB" dirty="0" smtClean="0"/>
-              <a:t>2012</a:t>
-            </a:r>
-            <a:endParaRPr lang="en-GB" dirty="0"/>
-          </a:p>
-        </p:txBody>
-      </p:sp>
-      <p:sp>
-        <p:nvSpPr>
           <p:cNvPr id="106498" name="Rectangle 2"/>
           <p:cNvSpPr>
             <a:spLocks noGrp="1" noChangeArrowheads="1"/>
@@ -4477,28 +4446,6 @@
       </p:grpSpPr>
       <p:sp>
         <p:nvSpPr>
-          <p:cNvPr id="3" name="Footer Placeholder 4"/>
-          <p:cNvSpPr>
-            <a:spLocks noGrp="1"/>
-          </p:cNvSpPr>
-          <p:nvPr>
-            <p:ph type="ftr" sz="quarter" idx="11"/>
-          </p:nvPr>
-        </p:nvSpPr>
-        <p:spPr/>
-        <p:txBody>
-          <a:bodyPr/>
-          <a:lstStyle/>
-          <a:p>
-            <a:r>
-              <a:rPr lang="en-GB"/>
-              <a:t>Birkbeck College 2010</a:t>
-            </a:r>
-          </a:p>
-        </p:txBody>
-      </p:sp>
-      <p:sp>
-        <p:nvSpPr>
           <p:cNvPr id="73751" name="Rectangle 23"/>
           <p:cNvSpPr>
             <a:spLocks noChangeArrowheads="1"/>
@@ -4608,28 +4555,6 @@
       </p:grpSpPr>
       <p:sp>
         <p:nvSpPr>
-          <p:cNvPr id="13" name="Footer Placeholder 4"/>
-          <p:cNvSpPr>
-            <a:spLocks noGrp="1"/>
-          </p:cNvSpPr>
-          <p:nvPr>
-            <p:ph type="ftr" sz="quarter" idx="11"/>
-          </p:nvPr>
-        </p:nvSpPr>
-        <p:spPr/>
-        <p:txBody>
-          <a:bodyPr/>
-          <a:lstStyle/>
-          <a:p>
-            <a:r>
-              <a:rPr lang="en-GB"/>
-              <a:t>Birkbeck College 2010</a:t>
-            </a:r>
-          </a:p>
-        </p:txBody>
-      </p:sp>
-      <p:sp>
-        <p:nvSpPr>
           <p:cNvPr id="116740" name="Line 4"/>
           <p:cNvSpPr>
             <a:spLocks noChangeShapeType="1"/>
@@ -5085,28 +5010,6 @@
       </p:grpSpPr>
       <p:sp>
         <p:nvSpPr>
-          <p:cNvPr id="3" name="Footer Placeholder 4"/>
-          <p:cNvSpPr>
-            <a:spLocks noGrp="1"/>
-          </p:cNvSpPr>
-          <p:nvPr>
-            <p:ph type="ftr" sz="quarter" idx="11"/>
-          </p:nvPr>
-        </p:nvSpPr>
-        <p:spPr/>
-        <p:txBody>
-          <a:bodyPr/>
-          <a:lstStyle/>
-          <a:p>
-            <a:r>
-              <a:rPr lang="en-GB"/>
-              <a:t>Birkbeck College 2010</a:t>
-            </a:r>
-          </a:p>
-        </p:txBody>
-      </p:sp>
-      <p:sp>
-        <p:nvSpPr>
           <p:cNvPr id="118786" name="Rectangle 2"/>
           <p:cNvSpPr>
             <a:spLocks noChangeArrowheads="1"/>
@@ -5171,28 +5074,6 @@
       </p:grpSpPr>
       <p:sp>
         <p:nvSpPr>
-          <p:cNvPr id="3" name="Footer Placeholder 4"/>
-          <p:cNvSpPr>
-            <a:spLocks noGrp="1"/>
-          </p:cNvSpPr>
-          <p:nvPr>
-            <p:ph type="ftr" sz="quarter" idx="11"/>
-          </p:nvPr>
-        </p:nvSpPr>
-        <p:spPr/>
-        <p:txBody>
-          <a:bodyPr/>
-          <a:lstStyle/>
-          <a:p>
-            <a:r>
-              <a:rPr lang="en-GB"/>
-              <a:t>Birkbeck College 2010</a:t>
-            </a:r>
-          </a:p>
-        </p:txBody>
-      </p:sp>
-      <p:sp>
-        <p:nvSpPr>
           <p:cNvPr id="126979" name="Rectangle 3"/>
           <p:cNvSpPr>
             <a:spLocks noChangeArrowheads="1"/>
@@ -5327,28 +5208,6 @@
       </p:grpSpPr>
       <p:sp>
         <p:nvSpPr>
-          <p:cNvPr id="3" name="Footer Placeholder 4"/>
-          <p:cNvSpPr>
-            <a:spLocks noGrp="1"/>
-          </p:cNvSpPr>
-          <p:nvPr>
-            <p:ph type="ftr" sz="quarter" idx="11"/>
-          </p:nvPr>
-        </p:nvSpPr>
-        <p:spPr/>
-        <p:txBody>
-          <a:bodyPr/>
-          <a:lstStyle/>
-          <a:p>
-            <a:r>
-              <a:rPr lang="en-GB"/>
-              <a:t>Birkbeck College 2010</a:t>
-            </a:r>
-          </a:p>
-        </p:txBody>
-      </p:sp>
-      <p:sp>
-        <p:nvSpPr>
           <p:cNvPr id="129027" name="Rectangle 3"/>
           <p:cNvSpPr>
             <a:spLocks noChangeArrowheads="1"/>
@@ -5508,28 +5367,6 @@
       </p:grpSpPr>
       <p:sp>
         <p:nvSpPr>
-          <p:cNvPr id="4" name="Footer Placeholder 4"/>
-          <p:cNvSpPr>
-            <a:spLocks noGrp="1"/>
-          </p:cNvSpPr>
-          <p:nvPr>
-            <p:ph type="ftr" sz="quarter" idx="11"/>
-          </p:nvPr>
-        </p:nvSpPr>
-        <p:spPr/>
-        <p:txBody>
-          <a:bodyPr/>
-          <a:lstStyle/>
-          <a:p>
-            <a:r>
-              <a:rPr lang="en-GB"/>
-              <a:t>Birkbeck College 2010</a:t>
-            </a:r>
-          </a:p>
-        </p:txBody>
-      </p:sp>
-      <p:sp>
-        <p:nvSpPr>
           <p:cNvPr id="131074" name="Rectangle 2"/>
           <p:cNvSpPr>
             <a:spLocks noGrp="1" noChangeArrowheads="1"/>
@@ -5551,10 +5388,10 @@
           <a:lstStyle/>
           <a:p>
             <a:r>
-              <a:rPr lang="en-US" b="1"/>
+              <a:rPr lang="en-US" b="1" dirty="0"/>
               <a:t>Costing exercise</a:t>
             </a:r>
-            <a:endParaRPr lang="en-US"/>
+            <a:endParaRPr lang="en-US" dirty="0"/>
           </a:p>
         </p:txBody>
       </p:sp>
@@ -5570,7 +5407,7 @@
         </p:nvSpPr>
         <p:spPr>
           <a:xfrm>
-            <a:off x="609600" y="2819400"/>
+            <a:off x="609600" y="2571744"/>
             <a:ext cx="8534400" cy="4838700"/>
           </a:xfrm>
           <a:noFill/>
@@ -5581,25 +5418,25 @@
           <a:lstStyle/>
           <a:p>
             <a:r>
-              <a:rPr lang="en-US" sz="3600"/>
+              <a:rPr lang="en-US" sz="3600" dirty="0"/>
               <a:t>How do you do costing?</a:t>
             </a:r>
           </a:p>
           <a:p>
             <a:r>
-              <a:rPr lang="en-US" sz="3600"/>
+              <a:rPr lang="en-US" sz="3600" dirty="0"/>
               <a:t>How will you cost your assignment project?</a:t>
             </a:r>
           </a:p>
           <a:p>
             <a:r>
-              <a:rPr lang="en-US" sz="3600"/>
+              <a:rPr lang="en-US" sz="3600" dirty="0"/>
               <a:t>How will you find out costs?</a:t>
             </a:r>
           </a:p>
           <a:p>
             <a:r>
-              <a:rPr lang="en-US" sz="3600"/>
+              <a:rPr lang="en-US" sz="3600" dirty="0"/>
               <a:t>What can go wrong and why?</a:t>
             </a:r>
           </a:p>
@@ -5838,28 +5675,6 @@
       </p:grpSpPr>
       <p:sp>
         <p:nvSpPr>
-          <p:cNvPr id="4" name="Footer Placeholder 4"/>
-          <p:cNvSpPr>
-            <a:spLocks noGrp="1"/>
-          </p:cNvSpPr>
-          <p:nvPr>
-            <p:ph type="ftr" sz="quarter" idx="11"/>
-          </p:nvPr>
-        </p:nvSpPr>
-        <p:spPr/>
-        <p:txBody>
-          <a:bodyPr/>
-          <a:lstStyle/>
-          <a:p>
-            <a:r>
-              <a:rPr lang="en-GB"/>
-              <a:t>Birkbeck College 2010</a:t>
-            </a:r>
-          </a:p>
-        </p:txBody>
-      </p:sp>
-      <p:sp>
-        <p:nvSpPr>
           <p:cNvPr id="1026" name="Rectangle 2"/>
           <p:cNvSpPr>
             <a:spLocks noGrp="1" noChangeArrowheads="1"/>
@@ -5939,28 +5754,6 @@
       </p:grpSpPr>
       <p:sp>
         <p:nvSpPr>
-          <p:cNvPr id="4" name="Footer Placeholder 4"/>
-          <p:cNvSpPr>
-            <a:spLocks noGrp="1"/>
-          </p:cNvSpPr>
-          <p:nvPr>
-            <p:ph type="ftr" sz="quarter" idx="11"/>
-          </p:nvPr>
-        </p:nvSpPr>
-        <p:spPr/>
-        <p:txBody>
-          <a:bodyPr/>
-          <a:lstStyle/>
-          <a:p>
-            <a:r>
-              <a:rPr lang="en-GB"/>
-              <a:t>Birkbeck College 2010</a:t>
-            </a:r>
-          </a:p>
-        </p:txBody>
-      </p:sp>
-      <p:sp>
-        <p:nvSpPr>
           <p:cNvPr id="181250" name="Rectangle 2"/>
           <p:cNvSpPr>
             <a:spLocks noGrp="1" noChangeArrowheads="1"/>
@@ -6032,28 +5825,6 @@
       </p:grpSpPr>
       <p:sp>
         <p:nvSpPr>
-          <p:cNvPr id="4" name="Footer Placeholder 4"/>
-          <p:cNvSpPr>
-            <a:spLocks noGrp="1"/>
-          </p:cNvSpPr>
-          <p:nvPr>
-            <p:ph type="ftr" sz="quarter" idx="11"/>
-          </p:nvPr>
-        </p:nvSpPr>
-        <p:spPr/>
-        <p:txBody>
-          <a:bodyPr/>
-          <a:lstStyle/>
-          <a:p>
-            <a:r>
-              <a:rPr lang="en-GB"/>
-              <a:t>Birkbeck College 2010</a:t>
-            </a:r>
-          </a:p>
-        </p:txBody>
-      </p:sp>
-      <p:sp>
-        <p:nvSpPr>
           <p:cNvPr id="182274" name="Rectangle 2"/>
           <p:cNvSpPr>
             <a:spLocks noGrp="1" noChangeArrowheads="1"/>
@@ -6167,28 +5938,6 @@
       </p:grpSpPr>
       <p:sp>
         <p:nvSpPr>
-          <p:cNvPr id="4" name="Footer Placeholder 4"/>
-          <p:cNvSpPr>
-            <a:spLocks noGrp="1"/>
-          </p:cNvSpPr>
-          <p:nvPr>
-            <p:ph type="ftr" sz="quarter" idx="11"/>
-          </p:nvPr>
-        </p:nvSpPr>
-        <p:spPr/>
-        <p:txBody>
-          <a:bodyPr/>
-          <a:lstStyle/>
-          <a:p>
-            <a:r>
-              <a:rPr lang="en-GB"/>
-              <a:t>Birkbeck College 2010</a:t>
-            </a:r>
-          </a:p>
-        </p:txBody>
-      </p:sp>
-      <p:sp>
-        <p:nvSpPr>
           <p:cNvPr id="183298" name="Rectangle 2"/>
           <p:cNvSpPr>
             <a:spLocks noGrp="1" noChangeArrowheads="1"/>
@@ -6302,28 +6051,6 @@
       </p:grpSpPr>
       <p:sp>
         <p:nvSpPr>
-          <p:cNvPr id="4" name="Footer Placeholder 4"/>
-          <p:cNvSpPr>
-            <a:spLocks noGrp="1"/>
-          </p:cNvSpPr>
-          <p:nvPr>
-            <p:ph type="ftr" sz="quarter" idx="11"/>
-          </p:nvPr>
-        </p:nvSpPr>
-        <p:spPr/>
-        <p:txBody>
-          <a:bodyPr/>
-          <a:lstStyle/>
-          <a:p>
-            <a:r>
-              <a:rPr lang="en-GB"/>
-              <a:t>Birkbeck College 2010</a:t>
-            </a:r>
-          </a:p>
-        </p:txBody>
-      </p:sp>
-      <p:sp>
-        <p:nvSpPr>
           <p:cNvPr id="184322" name="Rectangle 2"/>
           <p:cNvSpPr>
             <a:spLocks noGrp="1" noChangeArrowheads="1"/>
@@ -6437,28 +6164,6 @@
       </p:grpSpPr>
       <p:sp>
         <p:nvSpPr>
-          <p:cNvPr id="4" name="Footer Placeholder 4"/>
-          <p:cNvSpPr>
-            <a:spLocks noGrp="1"/>
-          </p:cNvSpPr>
-          <p:nvPr>
-            <p:ph type="ftr" sz="quarter" idx="11"/>
-          </p:nvPr>
-        </p:nvSpPr>
-        <p:spPr/>
-        <p:txBody>
-          <a:bodyPr/>
-          <a:lstStyle/>
-          <a:p>
-            <a:r>
-              <a:rPr lang="en-GB"/>
-              <a:t>Birkbeck College 2010</a:t>
-            </a:r>
-          </a:p>
-        </p:txBody>
-      </p:sp>
-      <p:sp>
-        <p:nvSpPr>
           <p:cNvPr id="185346" name="Rectangle 2"/>
           <p:cNvSpPr>
             <a:spLocks noGrp="1" noChangeArrowheads="1"/>
@@ -6570,28 +6275,6 @@
           <a:chExt cx="0" cy="0"/>
         </a:xfrm>
       </p:grpSpPr>
-      <p:sp>
-        <p:nvSpPr>
-          <p:cNvPr id="3" name="Footer Placeholder 4"/>
-          <p:cNvSpPr>
-            <a:spLocks noGrp="1"/>
-          </p:cNvSpPr>
-          <p:nvPr>
-            <p:ph type="ftr" sz="quarter" idx="11"/>
-          </p:nvPr>
-        </p:nvSpPr>
-        <p:spPr/>
-        <p:txBody>
-          <a:bodyPr/>
-          <a:lstStyle/>
-          <a:p>
-            <a:r>
-              <a:rPr lang="en-GB"/>
-              <a:t>Birkbeck College 2010</a:t>
-            </a:r>
-          </a:p>
-        </p:txBody>
-      </p:sp>
       <p:sp>
         <p:nvSpPr>
           <p:cNvPr id="112642" name="Rectangle 2"/>
@@ -6663,28 +6346,6 @@
           <a:chExt cx="0" cy="0"/>
         </a:xfrm>
       </p:grpSpPr>
-      <p:sp>
-        <p:nvSpPr>
-          <p:cNvPr id="3" name="Footer Placeholder 4"/>
-          <p:cNvSpPr>
-            <a:spLocks noGrp="1"/>
-          </p:cNvSpPr>
-          <p:nvPr>
-            <p:ph type="ftr" sz="quarter" idx="11"/>
-          </p:nvPr>
-        </p:nvSpPr>
-        <p:spPr/>
-        <p:txBody>
-          <a:bodyPr/>
-          <a:lstStyle/>
-          <a:p>
-            <a:r>
-              <a:rPr lang="en-GB"/>
-              <a:t>Birkbeck College 2010</a:t>
-            </a:r>
-          </a:p>
-        </p:txBody>
-      </p:sp>
       <p:sp>
         <p:nvSpPr>
           <p:cNvPr id="114690" name="Rectangle 2"/>
